--- a/BIBM/figures123.pptx
+++ b/BIBM/figures123.pptx
@@ -264,7 +264,7 @@
           <a:p>
             <a:fld id="{17C90FBC-8C90-4ED6-982C-E899A8E4EDD0}" type="datetimeFigureOut">
               <a:rPr lang="zh-CN" altLang="en-US" smtClean="0"/>
-              <a:t>2021/9/14</a:t>
+              <a:t>2021/9/24</a:t>
             </a:fld>
             <a:endParaRPr lang="zh-CN" altLang="en-US"/>
           </a:p>
@@ -462,7 +462,7 @@
           <a:p>
             <a:fld id="{17C90FBC-8C90-4ED6-982C-E899A8E4EDD0}" type="datetimeFigureOut">
               <a:rPr lang="zh-CN" altLang="en-US" smtClean="0"/>
-              <a:t>2021/9/14</a:t>
+              <a:t>2021/9/24</a:t>
             </a:fld>
             <a:endParaRPr lang="zh-CN" altLang="en-US"/>
           </a:p>
@@ -670,7 +670,7 @@
           <a:p>
             <a:fld id="{17C90FBC-8C90-4ED6-982C-E899A8E4EDD0}" type="datetimeFigureOut">
               <a:rPr lang="zh-CN" altLang="en-US" smtClean="0"/>
-              <a:t>2021/9/14</a:t>
+              <a:t>2021/9/24</a:t>
             </a:fld>
             <a:endParaRPr lang="zh-CN" altLang="en-US"/>
           </a:p>
@@ -868,7 +868,7 @@
           <a:p>
             <a:fld id="{17C90FBC-8C90-4ED6-982C-E899A8E4EDD0}" type="datetimeFigureOut">
               <a:rPr lang="zh-CN" altLang="en-US" smtClean="0"/>
-              <a:t>2021/9/14</a:t>
+              <a:t>2021/9/24</a:t>
             </a:fld>
             <a:endParaRPr lang="zh-CN" altLang="en-US"/>
           </a:p>
@@ -1143,7 +1143,7 @@
           <a:p>
             <a:fld id="{17C90FBC-8C90-4ED6-982C-E899A8E4EDD0}" type="datetimeFigureOut">
               <a:rPr lang="zh-CN" altLang="en-US" smtClean="0"/>
-              <a:t>2021/9/14</a:t>
+              <a:t>2021/9/24</a:t>
             </a:fld>
             <a:endParaRPr lang="zh-CN" altLang="en-US"/>
           </a:p>
@@ -1408,7 +1408,7 @@
           <a:p>
             <a:fld id="{17C90FBC-8C90-4ED6-982C-E899A8E4EDD0}" type="datetimeFigureOut">
               <a:rPr lang="zh-CN" altLang="en-US" smtClean="0"/>
-              <a:t>2021/9/14</a:t>
+              <a:t>2021/9/24</a:t>
             </a:fld>
             <a:endParaRPr lang="zh-CN" altLang="en-US"/>
           </a:p>
@@ -1820,7 +1820,7 @@
           <a:p>
             <a:fld id="{17C90FBC-8C90-4ED6-982C-E899A8E4EDD0}" type="datetimeFigureOut">
               <a:rPr lang="zh-CN" altLang="en-US" smtClean="0"/>
-              <a:t>2021/9/14</a:t>
+              <a:t>2021/9/24</a:t>
             </a:fld>
             <a:endParaRPr lang="zh-CN" altLang="en-US"/>
           </a:p>
@@ -1961,7 +1961,7 @@
           <a:p>
             <a:fld id="{17C90FBC-8C90-4ED6-982C-E899A8E4EDD0}" type="datetimeFigureOut">
               <a:rPr lang="zh-CN" altLang="en-US" smtClean="0"/>
-              <a:t>2021/9/14</a:t>
+              <a:t>2021/9/24</a:t>
             </a:fld>
             <a:endParaRPr lang="zh-CN" altLang="en-US"/>
           </a:p>
@@ -2074,7 +2074,7 @@
           <a:p>
             <a:fld id="{17C90FBC-8C90-4ED6-982C-E899A8E4EDD0}" type="datetimeFigureOut">
               <a:rPr lang="zh-CN" altLang="en-US" smtClean="0"/>
-              <a:t>2021/9/14</a:t>
+              <a:t>2021/9/24</a:t>
             </a:fld>
             <a:endParaRPr lang="zh-CN" altLang="en-US"/>
           </a:p>
@@ -2385,7 +2385,7 @@
           <a:p>
             <a:fld id="{17C90FBC-8C90-4ED6-982C-E899A8E4EDD0}" type="datetimeFigureOut">
               <a:rPr lang="zh-CN" altLang="en-US" smtClean="0"/>
-              <a:t>2021/9/14</a:t>
+              <a:t>2021/9/24</a:t>
             </a:fld>
             <a:endParaRPr lang="zh-CN" altLang="en-US"/>
           </a:p>
@@ -2673,7 +2673,7 @@
           <a:p>
             <a:fld id="{17C90FBC-8C90-4ED6-982C-E899A8E4EDD0}" type="datetimeFigureOut">
               <a:rPr lang="zh-CN" altLang="en-US" smtClean="0"/>
-              <a:t>2021/9/14</a:t>
+              <a:t>2021/9/24</a:t>
             </a:fld>
             <a:endParaRPr lang="zh-CN" altLang="en-US"/>
           </a:p>
@@ -2914,7 +2914,7 @@
           <a:p>
             <a:fld id="{17C90FBC-8C90-4ED6-982C-E899A8E4EDD0}" type="datetimeFigureOut">
               <a:rPr lang="zh-CN" altLang="en-US" smtClean="0"/>
-              <a:t>2021/9/14</a:t>
+              <a:t>2021/9/24</a:t>
             </a:fld>
             <a:endParaRPr lang="zh-CN" altLang="en-US"/>
           </a:p>
@@ -8160,7 +8160,7 @@
         </p:nvSpPr>
         <p:spPr>
           <a:xfrm>
-            <a:off x="2772960" y="2265754"/>
+            <a:off x="2775486" y="2253177"/>
             <a:ext cx="1620000" cy="601038"/>
           </a:xfrm>
           <a:prstGeom prst="rect">
@@ -8230,7 +8230,7 @@
         </p:nvSpPr>
         <p:spPr>
           <a:xfrm>
-            <a:off x="7400349" y="2217910"/>
+            <a:off x="7400349" y="2253178"/>
             <a:ext cx="1620000" cy="601038"/>
           </a:xfrm>
           <a:prstGeom prst="rect">
@@ -8298,14 +8298,14 @@
           <p:cNvCxnSpPr>
             <a:cxnSpLocks/>
             <a:stCxn id="23" idx="3"/>
-            <a:endCxn id="32" idx="1"/>
+            <a:endCxn id="37" idx="1"/>
           </p:cNvCxnSpPr>
           <p:nvPr/>
         </p:nvCxnSpPr>
         <p:spPr>
-          <a:xfrm flipV="1">
-            <a:off x="4392960" y="1342241"/>
-            <a:ext cx="693694" cy="1224032"/>
+          <a:xfrm>
+            <a:off x="4395486" y="2553696"/>
+            <a:ext cx="690824" cy="298"/>
           </a:xfrm>
           <a:prstGeom prst="bentConnector3">
             <a:avLst>
@@ -8346,14 +8346,14 @@
           <p:cNvCxnSpPr>
             <a:cxnSpLocks/>
             <a:stCxn id="31" idx="1"/>
-            <a:endCxn id="32" idx="3"/>
+            <a:endCxn id="37" idx="3"/>
           </p:cNvCxnSpPr>
           <p:nvPr/>
         </p:nvCxnSpPr>
         <p:spPr>
-          <a:xfrm rot="10800000">
-            <a:off x="6706655" y="1342241"/>
-            <a:ext cx="693695" cy="1176188"/>
+          <a:xfrm rot="10800000" flipV="1">
+            <a:off x="6706311" y="2553696"/>
+            <a:ext cx="694039" cy="297"/>
           </a:xfrm>
           <a:prstGeom prst="bentConnector3">
             <a:avLst>
@@ -8556,10 +8556,10 @@
       </p:sp>
       <p:sp>
         <p:nvSpPr>
-          <p:cNvPr id="32" name="矩形 31">
-            <a:extLst>
-              <a:ext uri="{FF2B5EF4-FFF2-40B4-BE49-F238E27FC236}">
-                <a16:creationId xmlns:a16="http://schemas.microsoft.com/office/drawing/2014/main" id="{8C21B953-A0B1-4BC2-8E06-868A7065E2CA}"/>
+          <p:cNvPr id="37" name="矩形 36">
+            <a:extLst>
+              <a:ext uri="{FF2B5EF4-FFF2-40B4-BE49-F238E27FC236}">
+                <a16:creationId xmlns:a16="http://schemas.microsoft.com/office/drawing/2014/main" id="{543867C6-199A-43BE-9BEC-C10A4E0F3E2B}"/>
               </a:ext>
             </a:extLst>
           </p:cNvPr>
@@ -8568,8 +8568,8 @@
         </p:nvSpPr>
         <p:spPr>
           <a:xfrm>
-            <a:off x="5086654" y="1041722"/>
-            <a:ext cx="1620000" cy="601038"/>
+            <a:off x="5086310" y="2253178"/>
+            <a:ext cx="1620000" cy="601632"/>
           </a:xfrm>
           <a:prstGeom prst="rect">
             <a:avLst/>
@@ -8612,7 +8612,7 @@
                 <a:latin typeface="Arial" panose="020B0604020202020204" pitchFamily="34" charset="0"/>
                 <a:cs typeface="Arial" panose="020B0604020202020204" pitchFamily="34" charset="0"/>
               </a:rPr>
-              <a:t>Cell Partitions RDD</a:t>
+              <a:t>Chromosome Partition RDD</a:t>
             </a:r>
             <a:endParaRPr lang="zh-CN" altLang="en-US" dirty="0">
               <a:solidFill>
@@ -8626,10 +8626,10 @@
       </p:sp>
       <p:sp>
         <p:nvSpPr>
-          <p:cNvPr id="37" name="矩形 36">
-            <a:extLst>
-              <a:ext uri="{FF2B5EF4-FFF2-40B4-BE49-F238E27FC236}">
-                <a16:creationId xmlns:a16="http://schemas.microsoft.com/office/drawing/2014/main" id="{543867C6-199A-43BE-9BEC-C10A4E0F3E2B}"/>
+          <p:cNvPr id="38" name="矩形 37">
+            <a:extLst>
+              <a:ext uri="{FF2B5EF4-FFF2-40B4-BE49-F238E27FC236}">
+                <a16:creationId xmlns:a16="http://schemas.microsoft.com/office/drawing/2014/main" id="{303DF663-8821-4AD9-A594-D7A93AB43FBF}"/>
               </a:ext>
             </a:extLst>
           </p:cNvPr>
@@ -8638,8 +8638,8 @@
         </p:nvSpPr>
         <p:spPr>
           <a:xfrm>
-            <a:off x="5086310" y="2253178"/>
-            <a:ext cx="1620000" cy="601632"/>
+            <a:off x="5086310" y="3481528"/>
+            <a:ext cx="1620000" cy="620338"/>
           </a:xfrm>
           <a:prstGeom prst="rect">
             <a:avLst/>
@@ -8682,7 +8682,7 @@
                 <a:latin typeface="Arial" panose="020B0604020202020204" pitchFamily="34" charset="0"/>
                 <a:cs typeface="Arial" panose="020B0604020202020204" pitchFamily="34" charset="0"/>
               </a:rPr>
-              <a:t>Wait Count RDD</a:t>
+              <a:t>Counted RDD</a:t>
             </a:r>
             <a:endParaRPr lang="zh-CN" altLang="en-US" dirty="0">
               <a:solidFill>
@@ -8696,10 +8696,10 @@
       </p:sp>
       <p:sp>
         <p:nvSpPr>
-          <p:cNvPr id="38" name="矩形 37">
-            <a:extLst>
-              <a:ext uri="{FF2B5EF4-FFF2-40B4-BE49-F238E27FC236}">
-                <a16:creationId xmlns:a16="http://schemas.microsoft.com/office/drawing/2014/main" id="{303DF663-8821-4AD9-A594-D7A93AB43FBF}"/>
+          <p:cNvPr id="44" name="矩形 43">
+            <a:extLst>
+              <a:ext uri="{FF2B5EF4-FFF2-40B4-BE49-F238E27FC236}">
+                <a16:creationId xmlns:a16="http://schemas.microsoft.com/office/drawing/2014/main" id="{6F3A8CBC-BC24-46CB-A005-1E99F7E8C241}"/>
               </a:ext>
             </a:extLst>
           </p:cNvPr>
@@ -8708,8 +8708,8 @@
         </p:nvSpPr>
         <p:spPr>
           <a:xfrm>
-            <a:off x="5086310" y="3481528"/>
-            <a:ext cx="1620000" cy="620338"/>
+            <a:off x="5086310" y="4728585"/>
+            <a:ext cx="1620000" cy="601038"/>
           </a:xfrm>
           <a:prstGeom prst="rect">
             <a:avLst/>
@@ -8752,121 +8752,8 @@
                 <a:latin typeface="Arial" panose="020B0604020202020204" pitchFamily="34" charset="0"/>
                 <a:cs typeface="Arial" panose="020B0604020202020204" pitchFamily="34" charset="0"/>
               </a:rPr>
-              <a:t>Counted RDD</a:t>
-            </a:r>
-            <a:endParaRPr lang="zh-CN" altLang="en-US" dirty="0">
-              <a:solidFill>
-                <a:schemeClr val="tx1"/>
-              </a:solidFill>
-              <a:latin typeface="Arial" panose="020B0604020202020204" pitchFamily="34" charset="0"/>
-              <a:cs typeface="Arial" panose="020B0604020202020204" pitchFamily="34" charset="0"/>
-            </a:endParaRPr>
-          </a:p>
-        </p:txBody>
-      </p:sp>
-      <p:sp>
-        <p:nvSpPr>
-          <p:cNvPr id="44" name="矩形 43">
-            <a:extLst>
-              <a:ext uri="{FF2B5EF4-FFF2-40B4-BE49-F238E27FC236}">
-                <a16:creationId xmlns:a16="http://schemas.microsoft.com/office/drawing/2014/main" id="{6F3A8CBC-BC24-46CB-A005-1E99F7E8C241}"/>
-              </a:ext>
-            </a:extLst>
-          </p:cNvPr>
-          <p:cNvSpPr/>
-          <p:nvPr/>
-        </p:nvSpPr>
-        <p:spPr>
-          <a:xfrm>
-            <a:off x="5086310" y="4728585"/>
-            <a:ext cx="1620000" cy="601038"/>
-          </a:xfrm>
-          <a:prstGeom prst="rect">
-            <a:avLst/>
-          </a:prstGeom>
-          <a:solidFill>
-            <a:schemeClr val="bg1"/>
-          </a:solidFill>
-          <a:ln>
-            <a:solidFill>
-              <a:schemeClr val="tx1"/>
-            </a:solidFill>
-          </a:ln>
-        </p:spPr>
-        <p:style>
-          <a:lnRef idx="2">
-            <a:schemeClr val="accent1">
-              <a:shade val="50000"/>
-            </a:schemeClr>
-          </a:lnRef>
-          <a:fillRef idx="1">
-            <a:schemeClr val="accent1"/>
-          </a:fillRef>
-          <a:effectRef idx="0">
-            <a:schemeClr val="accent1"/>
-          </a:effectRef>
-          <a:fontRef idx="minor">
-            <a:schemeClr val="lt1"/>
-          </a:fontRef>
-        </p:style>
-        <p:txBody>
-          <a:bodyPr rtlCol="0" anchor="ctr"/>
-          <a:lstStyle/>
-          <a:p>
-            <a:pPr algn="ctr"/>
-            <a:r>
-              <a:rPr lang="en-US" altLang="zh-CN" dirty="0">
-                <a:solidFill>
-                  <a:schemeClr val="tx1"/>
-                </a:solidFill>
-                <a:latin typeface="Arial" panose="020B0604020202020204" pitchFamily="34" charset="0"/>
-                <a:cs typeface="Arial" panose="020B0604020202020204" pitchFamily="34" charset="0"/>
-              </a:rPr>
               <a:t>Result File</a:t>
             </a:r>
-          </a:p>
-        </p:txBody>
-      </p:sp>
-      <p:sp>
-        <p:nvSpPr>
-          <p:cNvPr id="74" name="文本框 73">
-            <a:extLst>
-              <a:ext uri="{FF2B5EF4-FFF2-40B4-BE49-F238E27FC236}">
-                <a16:creationId xmlns:a16="http://schemas.microsoft.com/office/drawing/2014/main" id="{F7D62F64-DF8C-4CEE-B8BF-E2180D7D664A}"/>
-              </a:ext>
-            </a:extLst>
-          </p:cNvPr>
-          <p:cNvSpPr txBox="1"/>
-          <p:nvPr/>
-        </p:nvSpPr>
-        <p:spPr>
-          <a:xfrm>
-            <a:off x="5073933" y="1740308"/>
-            <a:ext cx="1644755" cy="338554"/>
-          </a:xfrm>
-          <a:prstGeom prst="rect">
-            <a:avLst/>
-          </a:prstGeom>
-          <a:noFill/>
-        </p:spPr>
-        <p:txBody>
-          <a:bodyPr wrap="square" rtlCol="0">
-            <a:spAutoFit/>
-          </a:bodyPr>
-          <a:lstStyle/>
-          <a:p>
-            <a:pPr algn="ctr"/>
-            <a:r>
-              <a:rPr lang="en-US" altLang="zh-CN" sz="1600" dirty="0">
-                <a:latin typeface="Arial" panose="020B0604020202020204" pitchFamily="34" charset="0"/>
-                <a:cs typeface="Arial" panose="020B0604020202020204" pitchFamily="34" charset="0"/>
-              </a:rPr>
-              <a:t>Reads filtering</a:t>
-            </a:r>
-            <a:endParaRPr lang="zh-CN" altLang="en-US" sz="1600" dirty="0">
-              <a:latin typeface="Arial" panose="020B0604020202020204" pitchFamily="34" charset="0"/>
-              <a:cs typeface="Arial" panose="020B0604020202020204" pitchFamily="34" charset="0"/>
-            </a:endParaRPr>
           </a:p>
         </p:txBody>
       </p:sp>
@@ -8989,45 +8876,6 @@
           <a:xfrm>
             <a:off x="3582960" y="1490457"/>
             <a:ext cx="0" cy="249851"/>
-          </a:xfrm>
-          <a:prstGeom prst="line">
-            <a:avLst/>
-          </a:prstGeom>
-        </p:spPr>
-        <p:style>
-          <a:lnRef idx="2">
-            <a:schemeClr val="dk1"/>
-          </a:lnRef>
-          <a:fillRef idx="0">
-            <a:schemeClr val="dk1"/>
-          </a:fillRef>
-          <a:effectRef idx="1">
-            <a:schemeClr val="dk1"/>
-          </a:effectRef>
-          <a:fontRef idx="minor">
-            <a:schemeClr val="tx1"/>
-          </a:fontRef>
-        </p:style>
-      </p:cxnSp>
-      <p:cxnSp>
-        <p:nvCxnSpPr>
-          <p:cNvPr id="8" name="直接连接符 7">
-            <a:extLst>
-              <a:ext uri="{FF2B5EF4-FFF2-40B4-BE49-F238E27FC236}">
-                <a16:creationId xmlns:a16="http://schemas.microsoft.com/office/drawing/2014/main" id="{3AC434FB-FB37-4EF5-B704-3DEFA513E2C5}"/>
-              </a:ext>
-            </a:extLst>
-          </p:cNvPr>
-          <p:cNvCxnSpPr>
-            <a:stCxn id="32" idx="2"/>
-            <a:endCxn id="74" idx="0"/>
-          </p:cNvCxnSpPr>
-          <p:nvPr/>
-        </p:nvCxnSpPr>
-        <p:spPr>
-          <a:xfrm flipH="1">
-            <a:off x="5896311" y="1642760"/>
-            <a:ext cx="343" cy="97548"/>
           </a:xfrm>
           <a:prstGeom prst="line">
             <a:avLst/>
@@ -9105,7 +8953,7 @@
         <p:spPr>
           <a:xfrm>
             <a:off x="8210349" y="2078862"/>
-            <a:ext cx="0" cy="139048"/>
+            <a:ext cx="0" cy="174316"/>
           </a:xfrm>
           <a:prstGeom prst="straightConnector1">
             <a:avLst/>
@@ -9147,7 +8995,7 @@
         <p:spPr>
           <a:xfrm>
             <a:off x="3582960" y="2078862"/>
-            <a:ext cx="0" cy="186892"/>
+            <a:ext cx="2526" cy="174315"/>
           </a:xfrm>
           <a:prstGeom prst="straightConnector1">
             <a:avLst/>
@@ -9194,48 +9042,6 @@
           <a:prstGeom prst="line">
             <a:avLst/>
           </a:prstGeom>
-        </p:spPr>
-        <p:style>
-          <a:lnRef idx="2">
-            <a:schemeClr val="dk1"/>
-          </a:lnRef>
-          <a:fillRef idx="0">
-            <a:schemeClr val="dk1"/>
-          </a:fillRef>
-          <a:effectRef idx="1">
-            <a:schemeClr val="dk1"/>
-          </a:effectRef>
-          <a:fontRef idx="minor">
-            <a:schemeClr val="tx1"/>
-          </a:fontRef>
-        </p:style>
-      </p:cxnSp>
-      <p:cxnSp>
-        <p:nvCxnSpPr>
-          <p:cNvPr id="18" name="直接箭头连接符 17">
-            <a:extLst>
-              <a:ext uri="{FF2B5EF4-FFF2-40B4-BE49-F238E27FC236}">
-                <a16:creationId xmlns:a16="http://schemas.microsoft.com/office/drawing/2014/main" id="{725A1706-896E-4874-A79A-3FB0D2CAA25E}"/>
-              </a:ext>
-            </a:extLst>
-          </p:cNvPr>
-          <p:cNvCxnSpPr>
-            <a:stCxn id="74" idx="2"/>
-            <a:endCxn id="37" idx="0"/>
-          </p:cNvCxnSpPr>
-          <p:nvPr/>
-        </p:nvCxnSpPr>
-        <p:spPr>
-          <a:xfrm flipH="1">
-            <a:off x="5896310" y="2078862"/>
-            <a:ext cx="1" cy="174316"/>
-          </a:xfrm>
-          <a:prstGeom prst="straightConnector1">
-            <a:avLst/>
-          </a:prstGeom>
-          <a:ln>
-            <a:tailEnd type="triangle"/>
-          </a:ln>
         </p:spPr>
         <p:style>
           <a:lnRef idx="2">
